--- a/Dokumente/Marko Bublic - Plakat Schneedetektion.pptx
+++ b/Dokumente/Marko Bublic - Plakat Schneedetektion.pptx
@@ -1668,7 +1668,7 @@
               <a:rPr lang="de-CH" altLang="de-DE" sz="3200" dirty="0">
                 <a:latin typeface="Lucida Sans" pitchFamily="34" charset="0"/>
               </a:rPr>
-              <a:t>Schnee liegt neben der Fahrbahn. Es schmilzt in der Nachmittagssonne und fliesst auf den Asphalt. Gegen Abend kann die Temperatur wieder unter den Gefrier-punkt sinken und das Schmelzwasser auf der Fahrbahn zum gefrieren bringen.</a:t>
+              <a:t>Schnee liegt neben der Fahrbahn. Es schmilzt in der Nachmittagssonne und fliesst auf den Asphalt. Gegen Abend kann die Temperatur wieder unter den Gefrier-punkt sinken und das Schmelzwasser auf der Fahrbahn zum Gefrieren bringen.</a:t>
             </a:r>
           </a:p>
           <a:p>
@@ -1981,7 +1981,7 @@
         <p:spPr>
           <a:xfrm>
             <a:off x="10667051" y="11358616"/>
-            <a:ext cx="8845847" cy="6001643"/>
+            <a:ext cx="8845847" cy="6494085"/>
           </a:xfrm>
           <a:prstGeom prst="rect">
             <a:avLst/>
@@ -2029,233 +2029,238 @@
               <a:defRPr/>
             </a:pPr>
             <a:r>
-              <a:rPr lang="de-CH" altLang="de-DE" sz="3200" dirty="0">
+              <a:rPr lang="de-CH" sz="3200" dirty="0">
                 <a:latin typeface="Lucida Sans" pitchFamily="34" charset="0"/>
               </a:rPr>
-              <a:t>Die Ansatz ist, dass, ausgehend von den </a:t>
-            </a:r>
-            <a:r>
-              <a:rPr lang="de-CH" altLang="de-DE" sz="3200">
-                <a:latin typeface="Lucida Sans" pitchFamily="34" charset="0"/>
-              </a:rPr>
-              <a:t>extrahierten statistischen Merkmalen</a:t>
-            </a:r>
-            <a:r>
-              <a:rPr lang="de-CH" altLang="de-DE" sz="3200" dirty="0">
-                <a:latin typeface="Lucida Sans" pitchFamily="34" charset="0"/>
-              </a:rPr>
-              <a:t>, ein Distanzmass Anwendung findet, mit dem ausgesagt werden kann, ob ein Bild näher an den Referenzwerten der einen als der anderen Kategorie liegt.</a:t>
+              <a:t>Der Ansatz ist, dass nun ein Distanzmass Anwendung findet, mit welchem ausgesagt werden kann, ob ein Bild näher an den Referenzwerten der einen als der anderen Kategorie liegt. Dieses Distanzmass stützt sich auf die extrahierten statistischen Merkmale aus der Datenbasis.</a:t>
             </a:r>
           </a:p>
         </p:txBody>
       </p:sp>
-      <p:pic>
-        <p:nvPicPr>
-          <p:cNvPr id="21" name="Picture 20"/>
-          <p:cNvPicPr>
-            <a:picLocks noChangeAspect="1"/>
-          </p:cNvPicPr>
+      <p:grpSp>
+        <p:nvGrpSpPr>
+          <p:cNvPr id="4" name="Group 3"/>
+          <p:cNvGrpSpPr>
+            <a:grpSpLocks noChangeAspect="1"/>
+          </p:cNvGrpSpPr>
           <p:nvPr/>
-        </p:nvPicPr>
-        <p:blipFill>
-          <a:blip r:embed="rId5"/>
-          <a:stretch>
-            <a:fillRect/>
-          </a:stretch>
-        </p:blipFill>
-        <p:spPr>
+        </p:nvGrpSpPr>
+        <p:grpSpPr>
           <a:xfrm>
-            <a:off x="20356484" y="1933579"/>
-            <a:ext cx="1676400" cy="1371600"/>
+            <a:off x="21179402" y="2261586"/>
+            <a:ext cx="7200000" cy="3819239"/>
+            <a:chOff x="20356484" y="1933579"/>
+            <a:chExt cx="8845847" cy="4692278"/>
           </a:xfrm>
-          <a:prstGeom prst="rect">
-            <a:avLst/>
-          </a:prstGeom>
-        </p:spPr>
-      </p:pic>
-      <p:pic>
-        <p:nvPicPr>
-          <p:cNvPr id="22" name="Picture 21"/>
-          <p:cNvPicPr>
-            <a:picLocks noChangeAspect="1"/>
-          </p:cNvPicPr>
-          <p:nvPr/>
-        </p:nvPicPr>
-        <p:blipFill>
-          <a:blip r:embed="rId6"/>
-          <a:stretch>
-            <a:fillRect/>
-          </a:stretch>
-        </p:blipFill>
-        <p:spPr>
-          <a:xfrm>
-            <a:off x="20356484" y="3593918"/>
-            <a:ext cx="1676400" cy="1371600"/>
-          </a:xfrm>
-          <a:prstGeom prst="rect">
-            <a:avLst/>
-          </a:prstGeom>
-        </p:spPr>
-      </p:pic>
-      <p:pic>
-        <p:nvPicPr>
-          <p:cNvPr id="23" name="Picture 22"/>
-          <p:cNvPicPr>
-            <a:picLocks noChangeAspect="1"/>
-          </p:cNvPicPr>
-          <p:nvPr/>
-        </p:nvPicPr>
-        <p:blipFill>
-          <a:blip r:embed="rId7"/>
-          <a:stretch>
-            <a:fillRect/>
-          </a:stretch>
-        </p:blipFill>
-        <p:spPr>
-          <a:xfrm>
-            <a:off x="20356484" y="5254257"/>
-            <a:ext cx="1676400" cy="1371600"/>
-          </a:xfrm>
-          <a:prstGeom prst="rect">
-            <a:avLst/>
-          </a:prstGeom>
-        </p:spPr>
-      </p:pic>
-      <p:pic>
-        <p:nvPicPr>
-          <p:cNvPr id="24" name="Picture 23"/>
-          <p:cNvPicPr>
-            <a:picLocks noChangeAspect="1"/>
-          </p:cNvPicPr>
-          <p:nvPr/>
-        </p:nvPicPr>
-        <p:blipFill>
-          <a:blip r:embed="rId8"/>
-          <a:stretch>
-            <a:fillRect/>
-          </a:stretch>
-        </p:blipFill>
-        <p:spPr>
-          <a:xfrm>
-            <a:off x="23942731" y="2128063"/>
-            <a:ext cx="5259600" cy="4303309"/>
-          </a:xfrm>
-          <a:prstGeom prst="rect">
-            <a:avLst/>
-          </a:prstGeom>
-        </p:spPr>
-      </p:pic>
-      <p:cxnSp>
-        <p:nvCxnSpPr>
-          <p:cNvPr id="26" name="Straight Arrow Connector 25"/>
-          <p:cNvCxnSpPr/>
-          <p:nvPr/>
-        </p:nvCxnSpPr>
-        <p:spPr>
-          <a:xfrm>
-            <a:off x="22163115" y="2601746"/>
-            <a:ext cx="1649385" cy="358185"/>
-          </a:xfrm>
-          <a:prstGeom prst="straightConnector1">
-            <a:avLst/>
-          </a:prstGeom>
-          <a:ln w="63500">
-            <a:solidFill>
-              <a:srgbClr val="697D91"/>
-            </a:solidFill>
-            <a:tailEnd type="triangle"/>
-          </a:ln>
-          <a:effectLst/>
-        </p:spPr>
-        <p:style>
-          <a:lnRef idx="2">
-            <a:schemeClr val="accent1"/>
-          </a:lnRef>
-          <a:fillRef idx="0">
-            <a:schemeClr val="accent1"/>
-          </a:fillRef>
-          <a:effectRef idx="1">
-            <a:schemeClr val="accent1"/>
-          </a:effectRef>
-          <a:fontRef idx="minor">
-            <a:schemeClr val="tx1"/>
-          </a:fontRef>
-        </p:style>
-      </p:cxnSp>
-      <p:cxnSp>
-        <p:nvCxnSpPr>
-          <p:cNvPr id="29" name="Straight Arrow Connector 28"/>
-          <p:cNvCxnSpPr/>
-          <p:nvPr/>
-        </p:nvCxnSpPr>
-        <p:spPr>
-          <a:xfrm flipV="1">
-            <a:off x="22161599" y="5537030"/>
-            <a:ext cx="1648800" cy="360000"/>
-          </a:xfrm>
-          <a:prstGeom prst="straightConnector1">
-            <a:avLst/>
-          </a:prstGeom>
-          <a:ln w="63500">
-            <a:solidFill>
-              <a:srgbClr val="697D91"/>
-            </a:solidFill>
-            <a:tailEnd type="triangle"/>
-          </a:ln>
-          <a:effectLst/>
-        </p:spPr>
-        <p:style>
-          <a:lnRef idx="2">
-            <a:schemeClr val="accent1"/>
-          </a:lnRef>
-          <a:fillRef idx="0">
-            <a:schemeClr val="accent1"/>
-          </a:fillRef>
-          <a:effectRef idx="1">
-            <a:schemeClr val="accent1"/>
-          </a:effectRef>
-          <a:fontRef idx="minor">
-            <a:schemeClr val="tx1"/>
-          </a:fontRef>
-        </p:style>
-      </p:cxnSp>
-      <p:cxnSp>
-        <p:nvCxnSpPr>
-          <p:cNvPr id="31" name="Straight Arrow Connector 30"/>
-          <p:cNvCxnSpPr/>
-          <p:nvPr/>
-        </p:nvCxnSpPr>
-        <p:spPr>
-          <a:xfrm>
-            <a:off x="22163115" y="4255485"/>
-            <a:ext cx="1619752" cy="0"/>
-          </a:xfrm>
-          <a:prstGeom prst="straightConnector1">
-            <a:avLst/>
-          </a:prstGeom>
-          <a:ln w="63500">
-            <a:solidFill>
-              <a:srgbClr val="697D91"/>
-            </a:solidFill>
-            <a:tailEnd type="triangle"/>
-          </a:ln>
-          <a:effectLst/>
-        </p:spPr>
-        <p:style>
-          <a:lnRef idx="2">
-            <a:schemeClr val="accent1"/>
-          </a:lnRef>
-          <a:fillRef idx="0">
-            <a:schemeClr val="accent1"/>
-          </a:fillRef>
-          <a:effectRef idx="1">
-            <a:schemeClr val="accent1"/>
-          </a:effectRef>
-          <a:fontRef idx="minor">
-            <a:schemeClr val="tx1"/>
-          </a:fontRef>
-        </p:style>
-      </p:cxnSp>
+        </p:grpSpPr>
+        <p:pic>
+          <p:nvPicPr>
+            <p:cNvPr id="21" name="Picture 20"/>
+            <p:cNvPicPr>
+              <a:picLocks noChangeAspect="1"/>
+            </p:cNvPicPr>
+            <p:nvPr/>
+          </p:nvPicPr>
+          <p:blipFill>
+            <a:blip r:embed="rId5"/>
+            <a:stretch>
+              <a:fillRect/>
+            </a:stretch>
+          </p:blipFill>
+          <p:spPr>
+            <a:xfrm>
+              <a:off x="20356484" y="1933579"/>
+              <a:ext cx="1676400" cy="1371600"/>
+            </a:xfrm>
+            <a:prstGeom prst="rect">
+              <a:avLst/>
+            </a:prstGeom>
+          </p:spPr>
+        </p:pic>
+        <p:pic>
+          <p:nvPicPr>
+            <p:cNvPr id="22" name="Picture 21"/>
+            <p:cNvPicPr>
+              <a:picLocks noChangeAspect="1"/>
+            </p:cNvPicPr>
+            <p:nvPr/>
+          </p:nvPicPr>
+          <p:blipFill>
+            <a:blip r:embed="rId6"/>
+            <a:stretch>
+              <a:fillRect/>
+            </a:stretch>
+          </p:blipFill>
+          <p:spPr>
+            <a:xfrm>
+              <a:off x="20356484" y="3593918"/>
+              <a:ext cx="1676400" cy="1371600"/>
+            </a:xfrm>
+            <a:prstGeom prst="rect">
+              <a:avLst/>
+            </a:prstGeom>
+          </p:spPr>
+        </p:pic>
+        <p:pic>
+          <p:nvPicPr>
+            <p:cNvPr id="23" name="Picture 22"/>
+            <p:cNvPicPr>
+              <a:picLocks noChangeAspect="1"/>
+            </p:cNvPicPr>
+            <p:nvPr/>
+          </p:nvPicPr>
+          <p:blipFill>
+            <a:blip r:embed="rId7"/>
+            <a:stretch>
+              <a:fillRect/>
+            </a:stretch>
+          </p:blipFill>
+          <p:spPr>
+            <a:xfrm>
+              <a:off x="20356484" y="5254257"/>
+              <a:ext cx="1676400" cy="1371600"/>
+            </a:xfrm>
+            <a:prstGeom prst="rect">
+              <a:avLst/>
+            </a:prstGeom>
+          </p:spPr>
+        </p:pic>
+        <p:pic>
+          <p:nvPicPr>
+            <p:cNvPr id="24" name="Picture 23"/>
+            <p:cNvPicPr>
+              <a:picLocks noChangeAspect="1"/>
+            </p:cNvPicPr>
+            <p:nvPr/>
+          </p:nvPicPr>
+          <p:blipFill>
+            <a:blip r:embed="rId8"/>
+            <a:stretch>
+              <a:fillRect/>
+            </a:stretch>
+          </p:blipFill>
+          <p:spPr>
+            <a:xfrm>
+              <a:off x="23942731" y="2128063"/>
+              <a:ext cx="5259600" cy="4303309"/>
+            </a:xfrm>
+            <a:prstGeom prst="rect">
+              <a:avLst/>
+            </a:prstGeom>
+          </p:spPr>
+        </p:pic>
+        <p:cxnSp>
+          <p:nvCxnSpPr>
+            <p:cNvPr id="26" name="Straight Arrow Connector 25"/>
+            <p:cNvCxnSpPr/>
+            <p:nvPr/>
+          </p:nvCxnSpPr>
+          <p:spPr>
+            <a:xfrm>
+              <a:off x="22163115" y="2601746"/>
+              <a:ext cx="1649385" cy="358185"/>
+            </a:xfrm>
+            <a:prstGeom prst="straightConnector1">
+              <a:avLst/>
+            </a:prstGeom>
+            <a:ln w="63500">
+              <a:solidFill>
+                <a:srgbClr val="697D91"/>
+              </a:solidFill>
+              <a:tailEnd type="triangle"/>
+            </a:ln>
+            <a:effectLst/>
+          </p:spPr>
+          <p:style>
+            <a:lnRef idx="2">
+              <a:schemeClr val="accent1"/>
+            </a:lnRef>
+            <a:fillRef idx="0">
+              <a:schemeClr val="accent1"/>
+            </a:fillRef>
+            <a:effectRef idx="1">
+              <a:schemeClr val="accent1"/>
+            </a:effectRef>
+            <a:fontRef idx="minor">
+              <a:schemeClr val="tx1"/>
+            </a:fontRef>
+          </p:style>
+        </p:cxnSp>
+        <p:cxnSp>
+          <p:nvCxnSpPr>
+            <p:cNvPr id="29" name="Straight Arrow Connector 28"/>
+            <p:cNvCxnSpPr/>
+            <p:nvPr/>
+          </p:nvCxnSpPr>
+          <p:spPr>
+            <a:xfrm flipV="1">
+              <a:off x="22161599" y="5537030"/>
+              <a:ext cx="1648800" cy="360000"/>
+            </a:xfrm>
+            <a:prstGeom prst="straightConnector1">
+              <a:avLst/>
+            </a:prstGeom>
+            <a:ln w="63500">
+              <a:solidFill>
+                <a:srgbClr val="697D91"/>
+              </a:solidFill>
+              <a:tailEnd type="triangle"/>
+            </a:ln>
+            <a:effectLst/>
+          </p:spPr>
+          <p:style>
+            <a:lnRef idx="2">
+              <a:schemeClr val="accent1"/>
+            </a:lnRef>
+            <a:fillRef idx="0">
+              <a:schemeClr val="accent1"/>
+            </a:fillRef>
+            <a:effectRef idx="1">
+              <a:schemeClr val="accent1"/>
+            </a:effectRef>
+            <a:fontRef idx="minor">
+              <a:schemeClr val="tx1"/>
+            </a:fontRef>
+          </p:style>
+        </p:cxnSp>
+        <p:cxnSp>
+          <p:nvCxnSpPr>
+            <p:cNvPr id="31" name="Straight Arrow Connector 30"/>
+            <p:cNvCxnSpPr/>
+            <p:nvPr/>
+          </p:nvCxnSpPr>
+          <p:spPr>
+            <a:xfrm>
+              <a:off x="22163115" y="4255485"/>
+              <a:ext cx="1619752" cy="0"/>
+            </a:xfrm>
+            <a:prstGeom prst="straightConnector1">
+              <a:avLst/>
+            </a:prstGeom>
+            <a:ln w="63500">
+              <a:solidFill>
+                <a:srgbClr val="697D91"/>
+              </a:solidFill>
+              <a:tailEnd type="triangle"/>
+            </a:ln>
+            <a:effectLst/>
+          </p:spPr>
+          <p:style>
+            <a:lnRef idx="2">
+              <a:schemeClr val="accent1"/>
+            </a:lnRef>
+            <a:fillRef idx="0">
+              <a:schemeClr val="accent1"/>
+            </a:fillRef>
+            <a:effectRef idx="1">
+              <a:schemeClr val="accent1"/>
+            </a:effectRef>
+            <a:fontRef idx="minor">
+              <a:schemeClr val="tx1"/>
+            </a:fontRef>
+          </p:style>
+        </p:cxnSp>
+      </p:grpSp>
       <p:sp>
         <p:nvSpPr>
           <p:cNvPr id="35" name="Textfeld 9"/>
@@ -2264,7 +2269,7 @@
         </p:nvSpPr>
         <p:spPr>
           <a:xfrm>
-            <a:off x="20356479" y="7370491"/>
+            <a:off x="20356484" y="6965628"/>
             <a:ext cx="8845847" cy="5016758"/>
           </a:xfrm>
           <a:prstGeom prst="rect">
@@ -2358,7 +2363,7 @@
         </p:blipFill>
         <p:spPr>
           <a:xfrm>
-            <a:off x="20356484" y="12496827"/>
+            <a:off x="20340980" y="12247775"/>
             <a:ext cx="8845847" cy="2919682"/>
           </a:xfrm>
           <a:prstGeom prst="rect">
@@ -2374,7 +2379,7 @@
         </p:nvSpPr>
         <p:spPr>
           <a:xfrm>
-            <a:off x="20356481" y="6736156"/>
+            <a:off x="20356478" y="6192408"/>
             <a:ext cx="8845848" cy="507831"/>
           </a:xfrm>
           <a:prstGeom prst="rect">
@@ -2404,7 +2409,7 @@
         </p:nvSpPr>
         <p:spPr>
           <a:xfrm>
-            <a:off x="20356478" y="15694172"/>
+            <a:off x="20333378" y="15438895"/>
             <a:ext cx="8845848" cy="1754326"/>
           </a:xfrm>
           <a:prstGeom prst="rect">
@@ -2749,33 +2754,10 @@
 </file>
 
 <file path=customXml/item1.xml><?xml version="1.0" encoding="utf-8"?>
-<p:properties xmlns:p="http://schemas.microsoft.com/office/2006/metadata/properties" xmlns:xsi="http://www.w3.org/2001/XMLSchema-instance" xmlns:pc="http://schemas.microsoft.com/office/infopath/2007/PartnerControls">
-  <documentManagement>
-    <BfhIntranetDepartmentText xmlns="63c724b1-652e-424f-8d99-4ee509067280">
-      <Terms xmlns="http://schemas.microsoft.com/office/infopath/2007/PartnerControls">
-        <TermInfo xmlns="http://schemas.microsoft.com/office/infopath/2007/PartnerControls">
-          <TermName xmlns="http://schemas.microsoft.com/office/infopath/2007/PartnerControls">Vorlage</TermName>
-          <TermId xmlns="http://schemas.microsoft.com/office/infopath/2007/PartnerControls">de1a6d3c-ac6a-4b34-8edd-308eb81066db</TermId>
-        </TermInfo>
-      </Terms>
-    </BfhIntranetDepartmentText>
-    <TaxCatchAll xmlns="2551ef7e-3b29-44d1-a8ad-ef34c26bfc60">
-      <Value>241</Value>
-    </TaxCatchAll>
-  </documentManagement>
-</p:properties>
+<LongProperties xmlns="http://schemas.microsoft.com/office/2006/metadata/longProperties"/>
 </file>
 
 <file path=customXml/item2.xml><?xml version="1.0" encoding="utf-8"?>
-<?mso-contentType ?>
-<FormTemplates xmlns="http://schemas.microsoft.com/sharepoint/v3/contenttype/forms">
-  <Display>DocumentLibraryForm</Display>
-  <Edit>DocumentLibraryForm</Edit>
-  <New>DocumentLibraryForm</New>
-</FormTemplates>
-</file>
-
-<file path=customXml/item3.xml><?xml version="1.0" encoding="utf-8"?>
 <ct:contentTypeSchema xmlns:ct="http://schemas.microsoft.com/office/2006/metadata/contentType" xmlns:ma="http://schemas.microsoft.com/office/2006/metadata/properties/metaAttributes" ct:_="" ma:_="" ma:contentTypeName="BFH Document" ma:contentTypeID="0x0101009127C3B567804923A8661E062BBD8EF500562C9D82744B284A86093F1D9B579BDC" ma:contentTypeVersion="2" ma:contentTypeDescription="Ein neues Dokument erstellen." ma:contentTypeScope="" ma:versionID="9c45b5bf27c78835ceac1d8ed0ad849b">
   <xsd:schema xmlns:xsd="http://www.w3.org/2001/XMLSchema" xmlns:xs="http://www.w3.org/2001/XMLSchema" xmlns:p="http://schemas.microsoft.com/office/2006/metadata/properties" xmlns:ns2="63c724b1-652e-424f-8d99-4ee509067280" xmlns:ns3="2551ef7e-3b29-44d1-a8ad-ef34c26bfc60" targetNamespace="http://schemas.microsoft.com/office/2006/metadata/properties" ma:root="true" ma:fieldsID="77ddedd9f4909d73cfb737d3d691d0f9" ns2:_="" ns3:_="">
     <xsd:import namespace="63c724b1-652e-424f-8d99-4ee509067280"/>
@@ -2920,36 +2902,42 @@
 </ct:contentTypeSchema>
 </file>
 
+<file path=customXml/item3.xml><?xml version="1.0" encoding="utf-8"?>
+<?mso-contentType ?>
+<FormTemplates xmlns="http://schemas.microsoft.com/sharepoint/v3/contenttype/forms">
+  <Display>DocumentLibraryForm</Display>
+  <Edit>DocumentLibraryForm</Edit>
+  <New>DocumentLibraryForm</New>
+</FormTemplates>
+</file>
+
 <file path=customXml/item4.xml><?xml version="1.0" encoding="utf-8"?>
-<LongProperties xmlns="http://schemas.microsoft.com/office/2006/metadata/longProperties"/>
+<p:properties xmlns:p="http://schemas.microsoft.com/office/2006/metadata/properties" xmlns:xsi="http://www.w3.org/2001/XMLSchema-instance" xmlns:pc="http://schemas.microsoft.com/office/infopath/2007/PartnerControls">
+  <documentManagement>
+    <BfhIntranetDepartmentText xmlns="63c724b1-652e-424f-8d99-4ee509067280">
+      <Terms xmlns="http://schemas.microsoft.com/office/infopath/2007/PartnerControls">
+        <TermInfo xmlns="http://schemas.microsoft.com/office/infopath/2007/PartnerControls">
+          <TermName xmlns="http://schemas.microsoft.com/office/infopath/2007/PartnerControls">Vorlage</TermName>
+          <TermId xmlns="http://schemas.microsoft.com/office/infopath/2007/PartnerControls">de1a6d3c-ac6a-4b34-8edd-308eb81066db</TermId>
+        </TermInfo>
+      </Terms>
+    </BfhIntranetDepartmentText>
+    <TaxCatchAll xmlns="2551ef7e-3b29-44d1-a8ad-ef34c26bfc60">
+      <Value>241</Value>
+    </TaxCatchAll>
+  </documentManagement>
+</p:properties>
 </file>
 
 <file path=customXml/itemProps1.xml><?xml version="1.0" encoding="utf-8"?>
-<ds:datastoreItem xmlns:ds="http://schemas.openxmlformats.org/officeDocument/2006/customXml" ds:itemID="{12310AE4-98C2-4A3E-BE75-5A8AB8823A32}">
+<ds:datastoreItem xmlns:ds="http://schemas.openxmlformats.org/officeDocument/2006/customXml" ds:itemID="{34ACECAE-8DDC-4218-ADDE-80828E100BF5}">
   <ds:schemaRefs>
-    <ds:schemaRef ds:uri="http://www.w3.org/XML/1998/namespace"/>
-    <ds:schemaRef ds:uri="http://purl.org/dc/terms/"/>
-    <ds:schemaRef ds:uri="http://schemas.microsoft.com/office/infopath/2007/PartnerControls"/>
-    <ds:schemaRef ds:uri="http://schemas.microsoft.com/office/2006/metadata/properties"/>
-    <ds:schemaRef ds:uri="http://purl.org/dc/elements/1.1/"/>
-    <ds:schemaRef ds:uri="http://schemas.openxmlformats.org/package/2006/metadata/core-properties"/>
-    <ds:schemaRef ds:uri="http://schemas.microsoft.com/office/2006/documentManagement/types"/>
-    <ds:schemaRef ds:uri="2551ef7e-3b29-44d1-a8ad-ef34c26bfc60"/>
-    <ds:schemaRef ds:uri="63c724b1-652e-424f-8d99-4ee509067280"/>
-    <ds:schemaRef ds:uri="http://purl.org/dc/dcmitype/"/>
+    <ds:schemaRef ds:uri="http://schemas.microsoft.com/office/2006/metadata/longProperties"/>
   </ds:schemaRefs>
 </ds:datastoreItem>
 </file>
 
 <file path=customXml/itemProps2.xml><?xml version="1.0" encoding="utf-8"?>
-<ds:datastoreItem xmlns:ds="http://schemas.openxmlformats.org/officeDocument/2006/customXml" ds:itemID="{47870AFC-B140-4E73-B0E2-054A74E7EB25}">
-  <ds:schemaRefs>
-    <ds:schemaRef ds:uri="http://schemas.microsoft.com/sharepoint/v3/contenttype/forms"/>
-  </ds:schemaRefs>
-</ds:datastoreItem>
-</file>
-
-<file path=customXml/itemProps3.xml><?xml version="1.0" encoding="utf-8"?>
 <ds:datastoreItem xmlns:ds="http://schemas.openxmlformats.org/officeDocument/2006/customXml" ds:itemID="{064F56C1-3E03-4158-81FF-45AFD11405FB}">
   <ds:schemaRefs>
     <ds:schemaRef ds:uri="http://schemas.microsoft.com/office/2006/metadata/contentType"/>
@@ -2968,10 +2956,27 @@
 </ds:datastoreItem>
 </file>
 
+<file path=customXml/itemProps3.xml><?xml version="1.0" encoding="utf-8"?>
+<ds:datastoreItem xmlns:ds="http://schemas.openxmlformats.org/officeDocument/2006/customXml" ds:itemID="{47870AFC-B140-4E73-B0E2-054A74E7EB25}">
+  <ds:schemaRefs>
+    <ds:schemaRef ds:uri="http://schemas.microsoft.com/sharepoint/v3/contenttype/forms"/>
+  </ds:schemaRefs>
+</ds:datastoreItem>
+</file>
+
 <file path=customXml/itemProps4.xml><?xml version="1.0" encoding="utf-8"?>
-<ds:datastoreItem xmlns:ds="http://schemas.openxmlformats.org/officeDocument/2006/customXml" ds:itemID="{34ACECAE-8DDC-4218-ADDE-80828E100BF5}">
+<ds:datastoreItem xmlns:ds="http://schemas.openxmlformats.org/officeDocument/2006/customXml" ds:itemID="{12310AE4-98C2-4A3E-BE75-5A8AB8823A32}">
   <ds:schemaRefs>
-    <ds:schemaRef ds:uri="http://schemas.microsoft.com/office/2006/metadata/longProperties"/>
+    <ds:schemaRef ds:uri="http://www.w3.org/XML/1998/namespace"/>
+    <ds:schemaRef ds:uri="http://purl.org/dc/terms/"/>
+    <ds:schemaRef ds:uri="http://schemas.microsoft.com/office/infopath/2007/PartnerControls"/>
+    <ds:schemaRef ds:uri="http://schemas.microsoft.com/office/2006/metadata/properties"/>
+    <ds:schemaRef ds:uri="http://purl.org/dc/elements/1.1/"/>
+    <ds:schemaRef ds:uri="http://schemas.openxmlformats.org/package/2006/metadata/core-properties"/>
+    <ds:schemaRef ds:uri="http://schemas.microsoft.com/office/2006/documentManagement/types"/>
+    <ds:schemaRef ds:uri="2551ef7e-3b29-44d1-a8ad-ef34c26bfc60"/>
+    <ds:schemaRef ds:uri="63c724b1-652e-424f-8d99-4ee509067280"/>
+    <ds:schemaRef ds:uri="http://purl.org/dc/dcmitype/"/>
   </ds:schemaRefs>
 </ds:datastoreItem>
 </file>